--- a/assets/logo.pptx
+++ b/assets/logo.pptx
@@ -104,6 +104,22 @@
       </a:defRPr>
     </a:lvl9pPr>
   </p:defaultTextStyle>
+  <p:extLst>
+    <p:ext uri="{EFAFB233-063F-42B5-8137-9DF3F51BA10A}">
+      <p15:sldGuideLst xmlns:p15="http://schemas.microsoft.com/office/powerpoint/2012/main">
+        <p15:guide id="1" orient="horz" pos="2160">
+          <p15:clr>
+            <a:srgbClr val="A4A3A4"/>
+          </p15:clr>
+        </p15:guide>
+        <p15:guide id="2" pos="2880">
+          <p15:clr>
+            <a:srgbClr val="A4A3A4"/>
+          </p15:clr>
+        </p15:guide>
+      </p15:sldGuideLst>
+    </p:ext>
+  </p:extLst>
 </p:presentation>
 </file>
 
@@ -3323,278 +3339,315 @@
           <a:chExt cx="0" cy="0"/>
         </a:xfrm>
       </p:grpSpPr>
-      <p:sp>
-        <p:nvSpPr>
-          <p:cNvPr id="5" name="フリーフォーム 4"/>
-          <p:cNvSpPr/>
+      <p:grpSp>
+        <p:nvGrpSpPr>
+          <p:cNvPr id="11" name="グループ化 10"/>
+          <p:cNvGrpSpPr/>
           <p:nvPr/>
-        </p:nvSpPr>
-        <p:spPr>
+        </p:nvGrpSpPr>
+        <p:grpSpPr>
           <a:xfrm>
-            <a:off x="3521075" y="1720850"/>
-            <a:ext cx="1063625" cy="2111375"/>
+            <a:off x="1331640" y="116632"/>
+            <a:ext cx="2099220" cy="2106612"/>
+            <a:chOff x="2485480" y="1725093"/>
+            <a:chExt cx="2099220" cy="2106612"/>
           </a:xfrm>
-          <a:custGeom>
-            <a:avLst/>
-            <a:gdLst>
-              <a:gd name="connsiteX0" fmla="*/ 0 w 1073150"/>
-              <a:gd name="connsiteY0" fmla="*/ 2095500 h 2095500"/>
-              <a:gd name="connsiteX1" fmla="*/ 133350 w 1073150"/>
-              <a:gd name="connsiteY1" fmla="*/ 0 h 2095500"/>
-              <a:gd name="connsiteX2" fmla="*/ 1073150 w 1073150"/>
-              <a:gd name="connsiteY2" fmla="*/ 1498600 h 2095500"/>
-              <a:gd name="connsiteX3" fmla="*/ 0 w 1073150"/>
-              <a:gd name="connsiteY3" fmla="*/ 2095500 h 2095500"/>
-              <a:gd name="connsiteX0" fmla="*/ 0 w 1063625"/>
-              <a:gd name="connsiteY0" fmla="*/ 2111375 h 2111375"/>
-              <a:gd name="connsiteX1" fmla="*/ 123825 w 1063625"/>
-              <a:gd name="connsiteY1" fmla="*/ 0 h 2111375"/>
-              <a:gd name="connsiteX2" fmla="*/ 1063625 w 1063625"/>
-              <a:gd name="connsiteY2" fmla="*/ 1498600 h 2111375"/>
-              <a:gd name="connsiteX3" fmla="*/ 0 w 1063625"/>
-              <a:gd name="connsiteY3" fmla="*/ 2111375 h 2111375"/>
-            </a:gdLst>
-            <a:ahLst/>
-            <a:cxnLst>
-              <a:cxn ang="0">
-                <a:pos x="connsiteX0" y="connsiteY0"/>
-              </a:cxn>
-              <a:cxn ang="0">
-                <a:pos x="connsiteX1" y="connsiteY1"/>
-              </a:cxn>
-              <a:cxn ang="0">
-                <a:pos x="connsiteX2" y="connsiteY2"/>
-              </a:cxn>
-              <a:cxn ang="0">
-                <a:pos x="connsiteX3" y="connsiteY3"/>
-              </a:cxn>
-            </a:cxnLst>
-            <a:rect l="l" t="t" r="r" b="b"/>
-            <a:pathLst>
-              <a:path w="1063625" h="2111375">
-                <a:moveTo>
-                  <a:pt x="0" y="2111375"/>
-                </a:moveTo>
-                <a:lnTo>
-                  <a:pt x="123825" y="0"/>
-                </a:lnTo>
-                <a:lnTo>
-                  <a:pt x="1063625" y="1498600"/>
-                </a:lnTo>
-                <a:lnTo>
-                  <a:pt x="0" y="2111375"/>
-                </a:lnTo>
-                <a:close/>
-              </a:path>
-            </a:pathLst>
-          </a:custGeom>
-          <a:noFill/>
-          <a:ln w="38100">
-            <a:solidFill>
+        </p:grpSpPr>
+        <p:sp>
+          <p:nvSpPr>
+            <p:cNvPr id="5" name="フリーフォーム 4"/>
+            <p:cNvSpPr/>
+            <p:nvPr/>
+          </p:nvSpPr>
+          <p:spPr>
+            <a:xfrm>
+              <a:off x="3521075" y="1725093"/>
+              <a:ext cx="1063625" cy="2106612"/>
+            </a:xfrm>
+            <a:custGeom>
+              <a:avLst/>
+              <a:gdLst>
+                <a:gd name="connsiteX0" fmla="*/ 0 w 1073150"/>
+                <a:gd name="connsiteY0" fmla="*/ 2095500 h 2095500"/>
+                <a:gd name="connsiteX1" fmla="*/ 133350 w 1073150"/>
+                <a:gd name="connsiteY1" fmla="*/ 0 h 2095500"/>
+                <a:gd name="connsiteX2" fmla="*/ 1073150 w 1073150"/>
+                <a:gd name="connsiteY2" fmla="*/ 1498600 h 2095500"/>
+                <a:gd name="connsiteX3" fmla="*/ 0 w 1073150"/>
+                <a:gd name="connsiteY3" fmla="*/ 2095500 h 2095500"/>
+                <a:gd name="connsiteX0" fmla="*/ 0 w 1063625"/>
+                <a:gd name="connsiteY0" fmla="*/ 2111375 h 2111375"/>
+                <a:gd name="connsiteX1" fmla="*/ 123825 w 1063625"/>
+                <a:gd name="connsiteY1" fmla="*/ 0 h 2111375"/>
+                <a:gd name="connsiteX2" fmla="*/ 1063625 w 1063625"/>
+                <a:gd name="connsiteY2" fmla="*/ 1498600 h 2111375"/>
+                <a:gd name="connsiteX3" fmla="*/ 0 w 1063625"/>
+                <a:gd name="connsiteY3" fmla="*/ 2111375 h 2111375"/>
+              </a:gdLst>
+              <a:ahLst/>
+              <a:cxnLst>
+                <a:cxn ang="0">
+                  <a:pos x="connsiteX0" y="connsiteY0"/>
+                </a:cxn>
+                <a:cxn ang="0">
+                  <a:pos x="connsiteX1" y="connsiteY1"/>
+                </a:cxn>
+                <a:cxn ang="0">
+                  <a:pos x="connsiteX2" y="connsiteY2"/>
+                </a:cxn>
+                <a:cxn ang="0">
+                  <a:pos x="connsiteX3" y="connsiteY3"/>
+                </a:cxn>
+              </a:cxnLst>
+              <a:rect l="l" t="t" r="r" b="b"/>
+              <a:pathLst>
+                <a:path w="1063625" h="2111375">
+                  <a:moveTo>
+                    <a:pt x="0" y="2111375"/>
+                  </a:moveTo>
+                  <a:lnTo>
+                    <a:pt x="123825" y="0"/>
+                  </a:lnTo>
+                  <a:lnTo>
+                    <a:pt x="1063625" y="1498600"/>
+                  </a:lnTo>
+                  <a:lnTo>
+                    <a:pt x="0" y="2111375"/>
+                  </a:lnTo>
+                  <a:close/>
+                </a:path>
+              </a:pathLst>
+            </a:custGeom>
+            <a:gradFill flip="none" rotWithShape="1">
+              <a:gsLst>
+                <a:gs pos="78000">
+                  <a:schemeClr val="bg1"/>
+                </a:gs>
+                <a:gs pos="13000">
+                  <a:srgbClr val="A479CF"/>
+                </a:gs>
+              </a:gsLst>
+              <a:lin ang="3600000" scaled="0"/>
+              <a:tileRect/>
+            </a:gradFill>
+            <a:ln w="38100">
+              <a:solidFill>
+                <a:schemeClr val="tx1"/>
+              </a:solidFill>
+            </a:ln>
+          </p:spPr>
+          <p:style>
+            <a:lnRef idx="2">
+              <a:schemeClr val="accent1">
+                <a:shade val="50000"/>
+              </a:schemeClr>
+            </a:lnRef>
+            <a:fillRef idx="1">
+              <a:schemeClr val="accent1"/>
+            </a:fillRef>
+            <a:effectRef idx="0">
+              <a:schemeClr val="accent1"/>
+            </a:effectRef>
+            <a:fontRef idx="minor">
+              <a:schemeClr val="lt1"/>
+            </a:fontRef>
+          </p:style>
+          <p:txBody>
+            <a:bodyPr rtlCol="0" anchor="ctr"/>
+            <a:lstStyle/>
+            <a:p>
+              <a:pPr algn="ctr"/>
+              <a:endParaRPr kumimoji="1" lang="ja-JP" altLang="en-US"/>
+            </a:p>
+          </p:txBody>
+        </p:sp>
+        <p:sp>
+          <p:nvSpPr>
+            <p:cNvPr id="7" name="フリーフォーム 6"/>
+            <p:cNvSpPr/>
+            <p:nvPr/>
+          </p:nvSpPr>
+          <p:spPr>
+            <a:xfrm>
+              <a:off x="2485480" y="1725093"/>
+              <a:ext cx="1162050" cy="2106612"/>
+            </a:xfrm>
+            <a:custGeom>
+              <a:avLst/>
+              <a:gdLst>
+                <a:gd name="connsiteX0" fmla="*/ 0 w 1073150"/>
+                <a:gd name="connsiteY0" fmla="*/ 2095500 h 2095500"/>
+                <a:gd name="connsiteX1" fmla="*/ 133350 w 1073150"/>
+                <a:gd name="connsiteY1" fmla="*/ 0 h 2095500"/>
+                <a:gd name="connsiteX2" fmla="*/ 1073150 w 1073150"/>
+                <a:gd name="connsiteY2" fmla="*/ 1498600 h 2095500"/>
+                <a:gd name="connsiteX3" fmla="*/ 0 w 1073150"/>
+                <a:gd name="connsiteY3" fmla="*/ 2095500 h 2095500"/>
+                <a:gd name="connsiteX0" fmla="*/ 0 w 1073150"/>
+                <a:gd name="connsiteY0" fmla="*/ 2452688 h 2452688"/>
+                <a:gd name="connsiteX1" fmla="*/ 928688 w 1073150"/>
+                <a:gd name="connsiteY1" fmla="*/ 0 h 2452688"/>
+                <a:gd name="connsiteX2" fmla="*/ 1073150 w 1073150"/>
+                <a:gd name="connsiteY2" fmla="*/ 1855788 h 2452688"/>
+                <a:gd name="connsiteX3" fmla="*/ 0 w 1073150"/>
+                <a:gd name="connsiteY3" fmla="*/ 2452688 h 2452688"/>
+                <a:gd name="connsiteX0" fmla="*/ 0 w 928688"/>
+                <a:gd name="connsiteY0" fmla="*/ 2452688 h 2452688"/>
+                <a:gd name="connsiteX1" fmla="*/ 928688 w 928688"/>
+                <a:gd name="connsiteY1" fmla="*/ 0 h 2452688"/>
+                <a:gd name="connsiteX2" fmla="*/ 815975 w 928688"/>
+                <a:gd name="connsiteY2" fmla="*/ 2122488 h 2452688"/>
+                <a:gd name="connsiteX3" fmla="*/ 0 w 928688"/>
+                <a:gd name="connsiteY3" fmla="*/ 2452688 h 2452688"/>
+                <a:gd name="connsiteX0" fmla="*/ 0 w 1143000"/>
+                <a:gd name="connsiteY0" fmla="*/ 1152525 h 2122488"/>
+                <a:gd name="connsiteX1" fmla="*/ 1143000 w 1143000"/>
+                <a:gd name="connsiteY1" fmla="*/ 0 h 2122488"/>
+                <a:gd name="connsiteX2" fmla="*/ 1030287 w 1143000"/>
+                <a:gd name="connsiteY2" fmla="*/ 2122488 h 2122488"/>
+                <a:gd name="connsiteX3" fmla="*/ 0 w 1143000"/>
+                <a:gd name="connsiteY3" fmla="*/ 1152525 h 2122488"/>
+                <a:gd name="connsiteX0" fmla="*/ 0 w 1143000"/>
+                <a:gd name="connsiteY0" fmla="*/ 1152525 h 2125663"/>
+                <a:gd name="connsiteX1" fmla="*/ 1143000 w 1143000"/>
+                <a:gd name="connsiteY1" fmla="*/ 0 h 2125663"/>
+                <a:gd name="connsiteX2" fmla="*/ 1030287 w 1143000"/>
+                <a:gd name="connsiteY2" fmla="*/ 2125663 h 2125663"/>
+                <a:gd name="connsiteX3" fmla="*/ 0 w 1143000"/>
+                <a:gd name="connsiteY3" fmla="*/ 1152525 h 2125663"/>
+                <a:gd name="connsiteX0" fmla="*/ 0 w 1162050"/>
+                <a:gd name="connsiteY0" fmla="*/ 1131093 h 2104231"/>
+                <a:gd name="connsiteX1" fmla="*/ 1162050 w 1162050"/>
+                <a:gd name="connsiteY1" fmla="*/ 0 h 2104231"/>
+                <a:gd name="connsiteX2" fmla="*/ 1030287 w 1162050"/>
+                <a:gd name="connsiteY2" fmla="*/ 2104231 h 2104231"/>
+                <a:gd name="connsiteX3" fmla="*/ 0 w 1162050"/>
+                <a:gd name="connsiteY3" fmla="*/ 1131093 h 2104231"/>
+                <a:gd name="connsiteX0" fmla="*/ 0 w 1162050"/>
+                <a:gd name="connsiteY0" fmla="*/ 1131093 h 2106612"/>
+                <a:gd name="connsiteX1" fmla="*/ 1162050 w 1162050"/>
+                <a:gd name="connsiteY1" fmla="*/ 0 h 2106612"/>
+                <a:gd name="connsiteX2" fmla="*/ 1037431 w 1162050"/>
+                <a:gd name="connsiteY2" fmla="*/ 2106612 h 2106612"/>
+                <a:gd name="connsiteX3" fmla="*/ 0 w 1162050"/>
+                <a:gd name="connsiteY3" fmla="*/ 1131093 h 2106612"/>
+              </a:gdLst>
+              <a:ahLst/>
+              <a:cxnLst>
+                <a:cxn ang="0">
+                  <a:pos x="connsiteX0" y="connsiteY0"/>
+                </a:cxn>
+                <a:cxn ang="0">
+                  <a:pos x="connsiteX1" y="connsiteY1"/>
+                </a:cxn>
+                <a:cxn ang="0">
+                  <a:pos x="connsiteX2" y="connsiteY2"/>
+                </a:cxn>
+                <a:cxn ang="0">
+                  <a:pos x="connsiteX3" y="connsiteY3"/>
+                </a:cxn>
+              </a:cxnLst>
+              <a:rect l="l" t="t" r="r" b="b"/>
+              <a:pathLst>
+                <a:path w="1162050" h="2106612">
+                  <a:moveTo>
+                    <a:pt x="0" y="1131093"/>
+                  </a:moveTo>
+                  <a:lnTo>
+                    <a:pt x="1162050" y="0"/>
+                  </a:lnTo>
+                  <a:lnTo>
+                    <a:pt x="1037431" y="2106612"/>
+                  </a:lnTo>
+                  <a:lnTo>
+                    <a:pt x="0" y="1131093"/>
+                  </a:lnTo>
+                  <a:close/>
+                </a:path>
+              </a:pathLst>
+            </a:custGeom>
+            <a:gradFill flip="none" rotWithShape="1">
+              <a:gsLst>
+                <a:gs pos="90000">
+                  <a:schemeClr val="bg1"/>
+                </a:gs>
+                <a:gs pos="36000">
+                  <a:srgbClr val="3D81C6"/>
+                </a:gs>
+              </a:gsLst>
+              <a:lin ang="3000000" scaled="0"/>
+              <a:tileRect/>
+            </a:gradFill>
+            <a:ln w="38100">
+              <a:solidFill>
+                <a:schemeClr val="tx1"/>
+              </a:solidFill>
+            </a:ln>
+          </p:spPr>
+          <p:style>
+            <a:lnRef idx="2">
+              <a:schemeClr val="accent1">
+                <a:shade val="50000"/>
+              </a:schemeClr>
+            </a:lnRef>
+            <a:fillRef idx="1">
+              <a:schemeClr val="accent1"/>
+            </a:fillRef>
+            <a:effectRef idx="0">
+              <a:schemeClr val="accent1"/>
+            </a:effectRef>
+            <a:fontRef idx="minor">
+              <a:schemeClr val="lt1"/>
+            </a:fontRef>
+          </p:style>
+          <p:txBody>
+            <a:bodyPr rtlCol="0" anchor="ctr"/>
+            <a:lstStyle/>
+            <a:p>
+              <a:pPr algn="ctr"/>
+              <a:endParaRPr kumimoji="1" lang="ja-JP" altLang="en-US"/>
+            </a:p>
+          </p:txBody>
+        </p:sp>
+        <p:cxnSp>
+          <p:nvCxnSpPr>
+            <p:cNvPr id="8" name="直線コネクタ 7"/>
+            <p:cNvCxnSpPr>
+              <a:stCxn id="7" idx="0"/>
+              <a:endCxn id="5" idx="2"/>
+            </p:cNvCxnSpPr>
+            <p:nvPr/>
+          </p:nvCxnSpPr>
+          <p:spPr>
+            <a:xfrm>
+              <a:off x="2485480" y="2856186"/>
+              <a:ext cx="2099220" cy="364126"/>
+            </a:xfrm>
+            <a:prstGeom prst="line">
+              <a:avLst/>
+            </a:prstGeom>
+            <a:ln w="38100">
+              <a:solidFill>
+                <a:schemeClr val="tx1"/>
+              </a:solidFill>
+            </a:ln>
+          </p:spPr>
+          <p:style>
+            <a:lnRef idx="1">
+              <a:schemeClr val="accent1"/>
+            </a:lnRef>
+            <a:fillRef idx="0">
+              <a:schemeClr val="accent1"/>
+            </a:fillRef>
+            <a:effectRef idx="0">
+              <a:schemeClr val="accent1"/>
+            </a:effectRef>
+            <a:fontRef idx="minor">
               <a:schemeClr val="tx1"/>
-            </a:solidFill>
-          </a:ln>
-        </p:spPr>
-        <p:style>
-          <a:lnRef idx="2">
-            <a:schemeClr val="accent1">
-              <a:shade val="50000"/>
-            </a:schemeClr>
-          </a:lnRef>
-          <a:fillRef idx="1">
-            <a:schemeClr val="accent1"/>
-          </a:fillRef>
-          <a:effectRef idx="0">
-            <a:schemeClr val="accent1"/>
-          </a:effectRef>
-          <a:fontRef idx="minor">
-            <a:schemeClr val="lt1"/>
-          </a:fontRef>
-        </p:style>
-        <p:txBody>
-          <a:bodyPr rtlCol="0" anchor="ctr"/>
-          <a:lstStyle/>
-          <a:p>
-            <a:pPr algn="ctr"/>
-            <a:endParaRPr kumimoji="1" lang="ja-JP" altLang="en-US"/>
-          </a:p>
-        </p:txBody>
-      </p:sp>
-      <p:sp>
-        <p:nvSpPr>
-          <p:cNvPr id="7" name="フリーフォーム 6"/>
-          <p:cNvSpPr/>
-          <p:nvPr/>
-        </p:nvSpPr>
-        <p:spPr>
-          <a:xfrm>
-            <a:off x="2485480" y="1725093"/>
-            <a:ext cx="1162050" cy="2106612"/>
-          </a:xfrm>
-          <a:custGeom>
-            <a:avLst/>
-            <a:gdLst>
-              <a:gd name="connsiteX0" fmla="*/ 0 w 1073150"/>
-              <a:gd name="connsiteY0" fmla="*/ 2095500 h 2095500"/>
-              <a:gd name="connsiteX1" fmla="*/ 133350 w 1073150"/>
-              <a:gd name="connsiteY1" fmla="*/ 0 h 2095500"/>
-              <a:gd name="connsiteX2" fmla="*/ 1073150 w 1073150"/>
-              <a:gd name="connsiteY2" fmla="*/ 1498600 h 2095500"/>
-              <a:gd name="connsiteX3" fmla="*/ 0 w 1073150"/>
-              <a:gd name="connsiteY3" fmla="*/ 2095500 h 2095500"/>
-              <a:gd name="connsiteX0" fmla="*/ 0 w 1073150"/>
-              <a:gd name="connsiteY0" fmla="*/ 2452688 h 2452688"/>
-              <a:gd name="connsiteX1" fmla="*/ 928688 w 1073150"/>
-              <a:gd name="connsiteY1" fmla="*/ 0 h 2452688"/>
-              <a:gd name="connsiteX2" fmla="*/ 1073150 w 1073150"/>
-              <a:gd name="connsiteY2" fmla="*/ 1855788 h 2452688"/>
-              <a:gd name="connsiteX3" fmla="*/ 0 w 1073150"/>
-              <a:gd name="connsiteY3" fmla="*/ 2452688 h 2452688"/>
-              <a:gd name="connsiteX0" fmla="*/ 0 w 928688"/>
-              <a:gd name="connsiteY0" fmla="*/ 2452688 h 2452688"/>
-              <a:gd name="connsiteX1" fmla="*/ 928688 w 928688"/>
-              <a:gd name="connsiteY1" fmla="*/ 0 h 2452688"/>
-              <a:gd name="connsiteX2" fmla="*/ 815975 w 928688"/>
-              <a:gd name="connsiteY2" fmla="*/ 2122488 h 2452688"/>
-              <a:gd name="connsiteX3" fmla="*/ 0 w 928688"/>
-              <a:gd name="connsiteY3" fmla="*/ 2452688 h 2452688"/>
-              <a:gd name="connsiteX0" fmla="*/ 0 w 1143000"/>
-              <a:gd name="connsiteY0" fmla="*/ 1152525 h 2122488"/>
-              <a:gd name="connsiteX1" fmla="*/ 1143000 w 1143000"/>
-              <a:gd name="connsiteY1" fmla="*/ 0 h 2122488"/>
-              <a:gd name="connsiteX2" fmla="*/ 1030287 w 1143000"/>
-              <a:gd name="connsiteY2" fmla="*/ 2122488 h 2122488"/>
-              <a:gd name="connsiteX3" fmla="*/ 0 w 1143000"/>
-              <a:gd name="connsiteY3" fmla="*/ 1152525 h 2122488"/>
-              <a:gd name="connsiteX0" fmla="*/ 0 w 1143000"/>
-              <a:gd name="connsiteY0" fmla="*/ 1152525 h 2125663"/>
-              <a:gd name="connsiteX1" fmla="*/ 1143000 w 1143000"/>
-              <a:gd name="connsiteY1" fmla="*/ 0 h 2125663"/>
-              <a:gd name="connsiteX2" fmla="*/ 1030287 w 1143000"/>
-              <a:gd name="connsiteY2" fmla="*/ 2125663 h 2125663"/>
-              <a:gd name="connsiteX3" fmla="*/ 0 w 1143000"/>
-              <a:gd name="connsiteY3" fmla="*/ 1152525 h 2125663"/>
-              <a:gd name="connsiteX0" fmla="*/ 0 w 1162050"/>
-              <a:gd name="connsiteY0" fmla="*/ 1131093 h 2104231"/>
-              <a:gd name="connsiteX1" fmla="*/ 1162050 w 1162050"/>
-              <a:gd name="connsiteY1" fmla="*/ 0 h 2104231"/>
-              <a:gd name="connsiteX2" fmla="*/ 1030287 w 1162050"/>
-              <a:gd name="connsiteY2" fmla="*/ 2104231 h 2104231"/>
-              <a:gd name="connsiteX3" fmla="*/ 0 w 1162050"/>
-              <a:gd name="connsiteY3" fmla="*/ 1131093 h 2104231"/>
-              <a:gd name="connsiteX0" fmla="*/ 0 w 1162050"/>
-              <a:gd name="connsiteY0" fmla="*/ 1131093 h 2106612"/>
-              <a:gd name="connsiteX1" fmla="*/ 1162050 w 1162050"/>
-              <a:gd name="connsiteY1" fmla="*/ 0 h 2106612"/>
-              <a:gd name="connsiteX2" fmla="*/ 1037431 w 1162050"/>
-              <a:gd name="connsiteY2" fmla="*/ 2106612 h 2106612"/>
-              <a:gd name="connsiteX3" fmla="*/ 0 w 1162050"/>
-              <a:gd name="connsiteY3" fmla="*/ 1131093 h 2106612"/>
-            </a:gdLst>
-            <a:ahLst/>
-            <a:cxnLst>
-              <a:cxn ang="0">
-                <a:pos x="connsiteX0" y="connsiteY0"/>
-              </a:cxn>
-              <a:cxn ang="0">
-                <a:pos x="connsiteX1" y="connsiteY1"/>
-              </a:cxn>
-              <a:cxn ang="0">
-                <a:pos x="connsiteX2" y="connsiteY2"/>
-              </a:cxn>
-              <a:cxn ang="0">
-                <a:pos x="connsiteX3" y="connsiteY3"/>
-              </a:cxn>
-            </a:cxnLst>
-            <a:rect l="l" t="t" r="r" b="b"/>
-            <a:pathLst>
-              <a:path w="1162050" h="2106612">
-                <a:moveTo>
-                  <a:pt x="0" y="1131093"/>
-                </a:moveTo>
-                <a:lnTo>
-                  <a:pt x="1162050" y="0"/>
-                </a:lnTo>
-                <a:lnTo>
-                  <a:pt x="1037431" y="2106612"/>
-                </a:lnTo>
-                <a:lnTo>
-                  <a:pt x="0" y="1131093"/>
-                </a:lnTo>
-                <a:close/>
-              </a:path>
-            </a:pathLst>
-          </a:custGeom>
-          <a:noFill/>
-          <a:ln w="38100">
-            <a:solidFill>
-              <a:schemeClr val="tx1"/>
-            </a:solidFill>
-          </a:ln>
-        </p:spPr>
-        <p:style>
-          <a:lnRef idx="2">
-            <a:schemeClr val="accent1">
-              <a:shade val="50000"/>
-            </a:schemeClr>
-          </a:lnRef>
-          <a:fillRef idx="1">
-            <a:schemeClr val="accent1"/>
-          </a:fillRef>
-          <a:effectRef idx="0">
-            <a:schemeClr val="accent1"/>
-          </a:effectRef>
-          <a:fontRef idx="minor">
-            <a:schemeClr val="lt1"/>
-          </a:fontRef>
-        </p:style>
-        <p:txBody>
-          <a:bodyPr rtlCol="0" anchor="ctr"/>
-          <a:lstStyle/>
-          <a:p>
-            <a:pPr algn="ctr"/>
-            <a:endParaRPr kumimoji="1" lang="ja-JP" altLang="en-US"/>
-          </a:p>
-        </p:txBody>
-      </p:sp>
-      <p:cxnSp>
-        <p:nvCxnSpPr>
-          <p:cNvPr id="8" name="直線コネクタ 7"/>
-          <p:cNvCxnSpPr>
-            <a:stCxn id="7" idx="0"/>
-            <a:endCxn id="5" idx="2"/>
-          </p:cNvCxnSpPr>
-          <p:nvPr/>
-        </p:nvCxnSpPr>
-        <p:spPr>
-          <a:xfrm>
-            <a:off x="2485480" y="2856186"/>
-            <a:ext cx="2099220" cy="363264"/>
-          </a:xfrm>
-          <a:prstGeom prst="line">
-            <a:avLst/>
-          </a:prstGeom>
-          <a:ln w="38100">
-            <a:solidFill>
-              <a:schemeClr val="tx1"/>
-            </a:solidFill>
-          </a:ln>
-        </p:spPr>
-        <p:style>
-          <a:lnRef idx="1">
-            <a:schemeClr val="accent1"/>
-          </a:lnRef>
-          <a:fillRef idx="0">
-            <a:schemeClr val="accent1"/>
-          </a:fillRef>
-          <a:effectRef idx="0">
-            <a:schemeClr val="accent1"/>
-          </a:effectRef>
-          <a:fontRef idx="minor">
-            <a:schemeClr val="tx1"/>
-          </a:fontRef>
-        </p:style>
-      </p:cxnSp>
+            </a:fontRef>
+          </p:style>
+        </p:cxnSp>
+      </p:grpSp>
       <p:pic>
         <p:nvPicPr>
           <p:cNvPr id="1027" name="Picture 3"/>
@@ -3618,7 +3671,7 @@
         </p:blipFill>
         <p:spPr bwMode="auto">
           <a:xfrm>
-            <a:off x="1475656" y="1496493"/>
+            <a:off x="251520" y="188640"/>
             <a:ext cx="457200" cy="457200"/>
           </a:xfrm>
           <a:prstGeom prst="rect">
@@ -3649,6 +3702,351 @@
           </a:extLst>
         </p:spPr>
       </p:pic>
+      <p:grpSp>
+        <p:nvGrpSpPr>
+          <p:cNvPr id="13" name="グループ化 12"/>
+          <p:cNvGrpSpPr>
+            <a:grpSpLocks noChangeAspect="1"/>
+          </p:cNvGrpSpPr>
+          <p:nvPr/>
+        </p:nvGrpSpPr>
+        <p:grpSpPr>
+          <a:xfrm>
+            <a:off x="182135" y="2996952"/>
+            <a:ext cx="1162050" cy="1166135"/>
+            <a:chOff x="2485480" y="1725093"/>
+            <a:chExt cx="2099220" cy="2106612"/>
+          </a:xfrm>
+        </p:grpSpPr>
+        <p:sp>
+          <p:nvSpPr>
+            <p:cNvPr id="14" name="フリーフォーム 13"/>
+            <p:cNvSpPr/>
+            <p:nvPr/>
+          </p:nvSpPr>
+          <p:spPr>
+            <a:xfrm>
+              <a:off x="3521075" y="1725093"/>
+              <a:ext cx="1063625" cy="2106612"/>
+            </a:xfrm>
+            <a:custGeom>
+              <a:avLst/>
+              <a:gdLst>
+                <a:gd name="connsiteX0" fmla="*/ 0 w 1073150"/>
+                <a:gd name="connsiteY0" fmla="*/ 2095500 h 2095500"/>
+                <a:gd name="connsiteX1" fmla="*/ 133350 w 1073150"/>
+                <a:gd name="connsiteY1" fmla="*/ 0 h 2095500"/>
+                <a:gd name="connsiteX2" fmla="*/ 1073150 w 1073150"/>
+                <a:gd name="connsiteY2" fmla="*/ 1498600 h 2095500"/>
+                <a:gd name="connsiteX3" fmla="*/ 0 w 1073150"/>
+                <a:gd name="connsiteY3" fmla="*/ 2095500 h 2095500"/>
+                <a:gd name="connsiteX0" fmla="*/ 0 w 1063625"/>
+                <a:gd name="connsiteY0" fmla="*/ 2111375 h 2111375"/>
+                <a:gd name="connsiteX1" fmla="*/ 123825 w 1063625"/>
+                <a:gd name="connsiteY1" fmla="*/ 0 h 2111375"/>
+                <a:gd name="connsiteX2" fmla="*/ 1063625 w 1063625"/>
+                <a:gd name="connsiteY2" fmla="*/ 1498600 h 2111375"/>
+                <a:gd name="connsiteX3" fmla="*/ 0 w 1063625"/>
+                <a:gd name="connsiteY3" fmla="*/ 2111375 h 2111375"/>
+              </a:gdLst>
+              <a:ahLst/>
+              <a:cxnLst>
+                <a:cxn ang="0">
+                  <a:pos x="connsiteX0" y="connsiteY0"/>
+                </a:cxn>
+                <a:cxn ang="0">
+                  <a:pos x="connsiteX1" y="connsiteY1"/>
+                </a:cxn>
+                <a:cxn ang="0">
+                  <a:pos x="connsiteX2" y="connsiteY2"/>
+                </a:cxn>
+                <a:cxn ang="0">
+                  <a:pos x="connsiteX3" y="connsiteY3"/>
+                </a:cxn>
+              </a:cxnLst>
+              <a:rect l="l" t="t" r="r" b="b"/>
+              <a:pathLst>
+                <a:path w="1063625" h="2111375">
+                  <a:moveTo>
+                    <a:pt x="0" y="2111375"/>
+                  </a:moveTo>
+                  <a:lnTo>
+                    <a:pt x="123825" y="0"/>
+                  </a:lnTo>
+                  <a:lnTo>
+                    <a:pt x="1063625" y="1498600"/>
+                  </a:lnTo>
+                  <a:lnTo>
+                    <a:pt x="0" y="2111375"/>
+                  </a:lnTo>
+                  <a:close/>
+                </a:path>
+              </a:pathLst>
+            </a:custGeom>
+            <a:gradFill flip="none" rotWithShape="1">
+              <a:gsLst>
+                <a:gs pos="78000">
+                  <a:schemeClr val="bg1"/>
+                </a:gs>
+                <a:gs pos="13000">
+                  <a:srgbClr val="A479CF"/>
+                </a:gs>
+              </a:gsLst>
+              <a:lin ang="3600000" scaled="0"/>
+              <a:tileRect/>
+            </a:gradFill>
+            <a:ln w="38100">
+              <a:solidFill>
+                <a:schemeClr val="tx1"/>
+              </a:solidFill>
+            </a:ln>
+          </p:spPr>
+          <p:style>
+            <a:lnRef idx="2">
+              <a:schemeClr val="accent1">
+                <a:shade val="50000"/>
+              </a:schemeClr>
+            </a:lnRef>
+            <a:fillRef idx="1">
+              <a:schemeClr val="accent1"/>
+            </a:fillRef>
+            <a:effectRef idx="0">
+              <a:schemeClr val="accent1"/>
+            </a:effectRef>
+            <a:fontRef idx="minor">
+              <a:schemeClr val="lt1"/>
+            </a:fontRef>
+          </p:style>
+          <p:txBody>
+            <a:bodyPr rtlCol="0" anchor="ctr"/>
+            <a:lstStyle/>
+            <a:p>
+              <a:pPr algn="ctr"/>
+              <a:endParaRPr kumimoji="1" lang="ja-JP" altLang="en-US"/>
+            </a:p>
+          </p:txBody>
+        </p:sp>
+        <p:sp>
+          <p:nvSpPr>
+            <p:cNvPr id="15" name="フリーフォーム 14"/>
+            <p:cNvSpPr/>
+            <p:nvPr/>
+          </p:nvSpPr>
+          <p:spPr>
+            <a:xfrm>
+              <a:off x="2485480" y="1725093"/>
+              <a:ext cx="1162050" cy="2106612"/>
+            </a:xfrm>
+            <a:custGeom>
+              <a:avLst/>
+              <a:gdLst>
+                <a:gd name="connsiteX0" fmla="*/ 0 w 1073150"/>
+                <a:gd name="connsiteY0" fmla="*/ 2095500 h 2095500"/>
+                <a:gd name="connsiteX1" fmla="*/ 133350 w 1073150"/>
+                <a:gd name="connsiteY1" fmla="*/ 0 h 2095500"/>
+                <a:gd name="connsiteX2" fmla="*/ 1073150 w 1073150"/>
+                <a:gd name="connsiteY2" fmla="*/ 1498600 h 2095500"/>
+                <a:gd name="connsiteX3" fmla="*/ 0 w 1073150"/>
+                <a:gd name="connsiteY3" fmla="*/ 2095500 h 2095500"/>
+                <a:gd name="connsiteX0" fmla="*/ 0 w 1073150"/>
+                <a:gd name="connsiteY0" fmla="*/ 2452688 h 2452688"/>
+                <a:gd name="connsiteX1" fmla="*/ 928688 w 1073150"/>
+                <a:gd name="connsiteY1" fmla="*/ 0 h 2452688"/>
+                <a:gd name="connsiteX2" fmla="*/ 1073150 w 1073150"/>
+                <a:gd name="connsiteY2" fmla="*/ 1855788 h 2452688"/>
+                <a:gd name="connsiteX3" fmla="*/ 0 w 1073150"/>
+                <a:gd name="connsiteY3" fmla="*/ 2452688 h 2452688"/>
+                <a:gd name="connsiteX0" fmla="*/ 0 w 928688"/>
+                <a:gd name="connsiteY0" fmla="*/ 2452688 h 2452688"/>
+                <a:gd name="connsiteX1" fmla="*/ 928688 w 928688"/>
+                <a:gd name="connsiteY1" fmla="*/ 0 h 2452688"/>
+                <a:gd name="connsiteX2" fmla="*/ 815975 w 928688"/>
+                <a:gd name="connsiteY2" fmla="*/ 2122488 h 2452688"/>
+                <a:gd name="connsiteX3" fmla="*/ 0 w 928688"/>
+                <a:gd name="connsiteY3" fmla="*/ 2452688 h 2452688"/>
+                <a:gd name="connsiteX0" fmla="*/ 0 w 1143000"/>
+                <a:gd name="connsiteY0" fmla="*/ 1152525 h 2122488"/>
+                <a:gd name="connsiteX1" fmla="*/ 1143000 w 1143000"/>
+                <a:gd name="connsiteY1" fmla="*/ 0 h 2122488"/>
+                <a:gd name="connsiteX2" fmla="*/ 1030287 w 1143000"/>
+                <a:gd name="connsiteY2" fmla="*/ 2122488 h 2122488"/>
+                <a:gd name="connsiteX3" fmla="*/ 0 w 1143000"/>
+                <a:gd name="connsiteY3" fmla="*/ 1152525 h 2122488"/>
+                <a:gd name="connsiteX0" fmla="*/ 0 w 1143000"/>
+                <a:gd name="connsiteY0" fmla="*/ 1152525 h 2125663"/>
+                <a:gd name="connsiteX1" fmla="*/ 1143000 w 1143000"/>
+                <a:gd name="connsiteY1" fmla="*/ 0 h 2125663"/>
+                <a:gd name="connsiteX2" fmla="*/ 1030287 w 1143000"/>
+                <a:gd name="connsiteY2" fmla="*/ 2125663 h 2125663"/>
+                <a:gd name="connsiteX3" fmla="*/ 0 w 1143000"/>
+                <a:gd name="connsiteY3" fmla="*/ 1152525 h 2125663"/>
+                <a:gd name="connsiteX0" fmla="*/ 0 w 1162050"/>
+                <a:gd name="connsiteY0" fmla="*/ 1131093 h 2104231"/>
+                <a:gd name="connsiteX1" fmla="*/ 1162050 w 1162050"/>
+                <a:gd name="connsiteY1" fmla="*/ 0 h 2104231"/>
+                <a:gd name="connsiteX2" fmla="*/ 1030287 w 1162050"/>
+                <a:gd name="connsiteY2" fmla="*/ 2104231 h 2104231"/>
+                <a:gd name="connsiteX3" fmla="*/ 0 w 1162050"/>
+                <a:gd name="connsiteY3" fmla="*/ 1131093 h 2104231"/>
+                <a:gd name="connsiteX0" fmla="*/ 0 w 1162050"/>
+                <a:gd name="connsiteY0" fmla="*/ 1131093 h 2106612"/>
+                <a:gd name="connsiteX1" fmla="*/ 1162050 w 1162050"/>
+                <a:gd name="connsiteY1" fmla="*/ 0 h 2106612"/>
+                <a:gd name="connsiteX2" fmla="*/ 1037431 w 1162050"/>
+                <a:gd name="connsiteY2" fmla="*/ 2106612 h 2106612"/>
+                <a:gd name="connsiteX3" fmla="*/ 0 w 1162050"/>
+                <a:gd name="connsiteY3" fmla="*/ 1131093 h 2106612"/>
+              </a:gdLst>
+              <a:ahLst/>
+              <a:cxnLst>
+                <a:cxn ang="0">
+                  <a:pos x="connsiteX0" y="connsiteY0"/>
+                </a:cxn>
+                <a:cxn ang="0">
+                  <a:pos x="connsiteX1" y="connsiteY1"/>
+                </a:cxn>
+                <a:cxn ang="0">
+                  <a:pos x="connsiteX2" y="connsiteY2"/>
+                </a:cxn>
+                <a:cxn ang="0">
+                  <a:pos x="connsiteX3" y="connsiteY3"/>
+                </a:cxn>
+              </a:cxnLst>
+              <a:rect l="l" t="t" r="r" b="b"/>
+              <a:pathLst>
+                <a:path w="1162050" h="2106612">
+                  <a:moveTo>
+                    <a:pt x="0" y="1131093"/>
+                  </a:moveTo>
+                  <a:lnTo>
+                    <a:pt x="1162050" y="0"/>
+                  </a:lnTo>
+                  <a:lnTo>
+                    <a:pt x="1037431" y="2106612"/>
+                  </a:lnTo>
+                  <a:lnTo>
+                    <a:pt x="0" y="1131093"/>
+                  </a:lnTo>
+                  <a:close/>
+                </a:path>
+              </a:pathLst>
+            </a:custGeom>
+            <a:gradFill flip="none" rotWithShape="1">
+              <a:gsLst>
+                <a:gs pos="90000">
+                  <a:schemeClr val="bg1"/>
+                </a:gs>
+                <a:gs pos="36000">
+                  <a:srgbClr val="3D81C6"/>
+                </a:gs>
+              </a:gsLst>
+              <a:lin ang="3000000" scaled="0"/>
+              <a:tileRect/>
+            </a:gradFill>
+            <a:ln w="38100">
+              <a:solidFill>
+                <a:schemeClr val="tx1"/>
+              </a:solidFill>
+            </a:ln>
+          </p:spPr>
+          <p:style>
+            <a:lnRef idx="2">
+              <a:schemeClr val="accent1">
+                <a:shade val="50000"/>
+              </a:schemeClr>
+            </a:lnRef>
+            <a:fillRef idx="1">
+              <a:schemeClr val="accent1"/>
+            </a:fillRef>
+            <a:effectRef idx="0">
+              <a:schemeClr val="accent1"/>
+            </a:effectRef>
+            <a:fontRef idx="minor">
+              <a:schemeClr val="lt1"/>
+            </a:fontRef>
+          </p:style>
+          <p:txBody>
+            <a:bodyPr rtlCol="0" anchor="ctr"/>
+            <a:lstStyle/>
+            <a:p>
+              <a:pPr algn="ctr"/>
+              <a:endParaRPr kumimoji="1" lang="ja-JP" altLang="en-US"/>
+            </a:p>
+          </p:txBody>
+        </p:sp>
+        <p:cxnSp>
+          <p:nvCxnSpPr>
+            <p:cNvPr id="16" name="直線コネクタ 15"/>
+            <p:cNvCxnSpPr>
+              <a:stCxn id="15" idx="0"/>
+              <a:endCxn id="14" idx="2"/>
+            </p:cNvCxnSpPr>
+            <p:nvPr/>
+          </p:nvCxnSpPr>
+          <p:spPr>
+            <a:xfrm>
+              <a:off x="2485480" y="2856186"/>
+              <a:ext cx="2099220" cy="364126"/>
+            </a:xfrm>
+            <a:prstGeom prst="line">
+              <a:avLst/>
+            </a:prstGeom>
+            <a:ln w="38100">
+              <a:solidFill>
+                <a:schemeClr val="tx1"/>
+              </a:solidFill>
+            </a:ln>
+          </p:spPr>
+          <p:style>
+            <a:lnRef idx="1">
+              <a:schemeClr val="accent1"/>
+            </a:lnRef>
+            <a:fillRef idx="0">
+              <a:schemeClr val="accent1"/>
+            </a:fillRef>
+            <a:effectRef idx="0">
+              <a:schemeClr val="accent1"/>
+            </a:effectRef>
+            <a:fontRef idx="minor">
+              <a:schemeClr val="tx1"/>
+            </a:fontRef>
+          </p:style>
+        </p:cxnSp>
+      </p:grpSp>
+      <p:sp>
+        <p:nvSpPr>
+          <p:cNvPr id="12" name="テキスト ボックス 11"/>
+          <p:cNvSpPr txBox="1"/>
+          <p:nvPr/>
+        </p:nvSpPr>
+        <p:spPr>
+          <a:xfrm>
+            <a:off x="1398670" y="3123696"/>
+            <a:ext cx="4222694" cy="1200329"/>
+          </a:xfrm>
+          <a:prstGeom prst="rect">
+            <a:avLst/>
+          </a:prstGeom>
+          <a:noFill/>
+        </p:spPr>
+        <p:txBody>
+          <a:bodyPr wrap="none" rtlCol="0">
+            <a:spAutoFit/>
+          </a:bodyPr>
+          <a:lstStyle/>
+          <a:p>
+            <a:r>
+              <a:rPr kumimoji="1" lang="en-US" altLang="ja-JP" sz="7200" dirty="0" err="1" smtClean="0">
+                <a:latin typeface="Swis721 LtEx BT" panose="020B0505020202020204" pitchFamily="34" charset="0"/>
+              </a:rPr>
+              <a:t>TetraPlot</a:t>
+            </a:r>
+            <a:endParaRPr kumimoji="1" lang="ja-JP" altLang="en-US" sz="7200" dirty="0">
+              <a:latin typeface="Swis721 LtEx BT" panose="020B0505020202020204" pitchFamily="34" charset="0"/>
+            </a:endParaRPr>
+          </a:p>
+        </p:txBody>
+      </p:sp>
     </p:spTree>
     <p:extLst>
       <p:ext uri="{BB962C8B-B14F-4D97-AF65-F5344CB8AC3E}">
